--- a/cluster_course/powerpoint/4_Shell_scripting.pptx
+++ b/cluster_course/powerpoint/4_Shell_scripting.pptx
@@ -276,7 +276,7 @@
           <a:p>
             <a:fld id="{2244AFD0-6711-41F1-97ED-53C99FBC28F0}" type="datetimeFigureOut">
               <a:rPr lang="en-GB" smtClean="0"/>
-              <a:t>23/11/2018</a:t>
+              <a:t>28/10/2019</a:t>
             </a:fld>
             <a:endParaRPr lang="en-GB"/>
           </a:p>
@@ -476,7 +476,7 @@
           <a:p>
             <a:fld id="{2244AFD0-6711-41F1-97ED-53C99FBC28F0}" type="datetimeFigureOut">
               <a:rPr lang="en-GB" smtClean="0"/>
-              <a:t>23/11/2018</a:t>
+              <a:t>28/10/2019</a:t>
             </a:fld>
             <a:endParaRPr lang="en-GB"/>
           </a:p>
@@ -686,7 +686,7 @@
           <a:p>
             <a:fld id="{2244AFD0-6711-41F1-97ED-53C99FBC28F0}" type="datetimeFigureOut">
               <a:rPr lang="en-GB" smtClean="0"/>
-              <a:t>23/11/2018</a:t>
+              <a:t>28/10/2019</a:t>
             </a:fld>
             <a:endParaRPr lang="en-GB"/>
           </a:p>
@@ -886,7 +886,7 @@
           <a:p>
             <a:fld id="{2244AFD0-6711-41F1-97ED-53C99FBC28F0}" type="datetimeFigureOut">
               <a:rPr lang="en-GB" smtClean="0"/>
-              <a:t>23/11/2018</a:t>
+              <a:t>28/10/2019</a:t>
             </a:fld>
             <a:endParaRPr lang="en-GB"/>
           </a:p>
@@ -1162,7 +1162,7 @@
           <a:p>
             <a:fld id="{2244AFD0-6711-41F1-97ED-53C99FBC28F0}" type="datetimeFigureOut">
               <a:rPr lang="en-GB" smtClean="0"/>
-              <a:t>23/11/2018</a:t>
+              <a:t>28/10/2019</a:t>
             </a:fld>
             <a:endParaRPr lang="en-GB"/>
           </a:p>
@@ -1430,7 +1430,7 @@
           <a:p>
             <a:fld id="{2244AFD0-6711-41F1-97ED-53C99FBC28F0}" type="datetimeFigureOut">
               <a:rPr lang="en-GB" smtClean="0"/>
-              <a:t>23/11/2018</a:t>
+              <a:t>28/10/2019</a:t>
             </a:fld>
             <a:endParaRPr lang="en-GB"/>
           </a:p>
@@ -1845,7 +1845,7 @@
           <a:p>
             <a:fld id="{2244AFD0-6711-41F1-97ED-53C99FBC28F0}" type="datetimeFigureOut">
               <a:rPr lang="en-GB" smtClean="0"/>
-              <a:t>23/11/2018</a:t>
+              <a:t>28/10/2019</a:t>
             </a:fld>
             <a:endParaRPr lang="en-GB"/>
           </a:p>
@@ -1987,7 +1987,7 @@
           <a:p>
             <a:fld id="{2244AFD0-6711-41F1-97ED-53C99FBC28F0}" type="datetimeFigureOut">
               <a:rPr lang="en-GB" smtClean="0"/>
-              <a:t>23/11/2018</a:t>
+              <a:t>28/10/2019</a:t>
             </a:fld>
             <a:endParaRPr lang="en-GB"/>
           </a:p>
@@ -2100,7 +2100,7 @@
           <a:p>
             <a:fld id="{2244AFD0-6711-41F1-97ED-53C99FBC28F0}" type="datetimeFigureOut">
               <a:rPr lang="en-GB" smtClean="0"/>
-              <a:t>23/11/2018</a:t>
+              <a:t>28/10/2019</a:t>
             </a:fld>
             <a:endParaRPr lang="en-GB"/>
           </a:p>
@@ -2413,7 +2413,7 @@
           <a:p>
             <a:fld id="{2244AFD0-6711-41F1-97ED-53C99FBC28F0}" type="datetimeFigureOut">
               <a:rPr lang="en-GB" smtClean="0"/>
-              <a:t>23/11/2018</a:t>
+              <a:t>28/10/2019</a:t>
             </a:fld>
             <a:endParaRPr lang="en-GB"/>
           </a:p>
@@ -2702,7 +2702,7 @@
           <a:p>
             <a:fld id="{2244AFD0-6711-41F1-97ED-53C99FBC28F0}" type="datetimeFigureOut">
               <a:rPr lang="en-GB" smtClean="0"/>
-              <a:t>23/11/2018</a:t>
+              <a:t>28/10/2019</a:t>
             </a:fld>
             <a:endParaRPr lang="en-GB"/>
           </a:p>
@@ -2945,7 +2945,7 @@
           <a:p>
             <a:fld id="{2244AFD0-6711-41F1-97ED-53C99FBC28F0}" type="datetimeFigureOut">
               <a:rPr lang="en-GB" smtClean="0"/>
-              <a:t>23/11/2018</a:t>
+              <a:t>28/10/2019</a:t>
             </a:fld>
             <a:endParaRPr lang="en-GB"/>
           </a:p>
@@ -3440,7 +3440,7 @@
           <a:p>
             <a:r>
               <a:rPr lang="en-GB" dirty="0"/>
-              <a:t>BLAST: what have we just assembled</a:t>
+              <a:t>BLAST: what have we just assembled?</a:t>
             </a:r>
           </a:p>
           <a:p>
@@ -3601,7 +3601,7 @@
             </a:r>
             <a:r>
               <a:rPr lang="en-GB" dirty="0"/>
-              <a:t>(this dot slash just means “here”)</a:t>
+              <a:t>(this dot slash, just means “here”)</a:t>
             </a:r>
           </a:p>
           <a:p>
@@ -4890,8 +4890,14 @@
           </a:p>
           <a:p>
             <a:r>
+              <a:rPr lang="en-GB" sz="2400" dirty="0"/>
+              <a:t>* is a wild card</a:t>
+            </a:r>
+          </a:p>
+          <a:p>
+            <a:r>
               <a:rPr lang="en-GB" dirty="0"/>
-              <a:t>All .fasta files are assigned to a variable called </a:t>
+              <a:t>All *.fasta files are assigned to a variable called </a:t>
             </a:r>
             <a:r>
               <a:rPr lang="en-GB" dirty="0">
@@ -5007,13 +5013,15 @@
               </a:ext>
             </a:extLst>
           </p:cNvPr>
-          <p:cNvCxnSpPr/>
+          <p:cNvCxnSpPr>
+            <a:cxnSpLocks/>
+          </p:cNvCxnSpPr>
           <p:nvPr/>
         </p:nvCxnSpPr>
         <p:spPr>
           <a:xfrm>
-            <a:off x="3240505" y="2438400"/>
-            <a:ext cx="3433010" cy="433137"/>
+            <a:off x="3151573" y="2871537"/>
+            <a:ext cx="3521942" cy="0"/>
           </a:xfrm>
           <a:prstGeom prst="straightConnector1">
             <a:avLst/>
@@ -5413,9 +5421,9 @@
           <p:nvPr/>
         </p:nvCxnSpPr>
         <p:spPr>
-          <a:xfrm>
-            <a:off x="5173579" y="2157663"/>
-            <a:ext cx="1443789" cy="0"/>
+          <a:xfrm flipV="1">
+            <a:off x="5140171" y="2157663"/>
+            <a:ext cx="1477197" cy="212675"/>
           </a:xfrm>
           <a:prstGeom prst="straightConnector1">
             <a:avLst/>
@@ -5455,8 +5463,8 @@
         </p:nvCxnSpPr>
         <p:spPr>
           <a:xfrm>
-            <a:off x="5518486" y="3162605"/>
-            <a:ext cx="1427746" cy="364958"/>
+            <a:off x="5397623" y="2967789"/>
+            <a:ext cx="1548609" cy="559774"/>
           </a:xfrm>
           <a:prstGeom prst="straightConnector1">
             <a:avLst/>
@@ -5718,7 +5726,7 @@
             </a:r>
             <a:r>
               <a:rPr lang="en-GB" dirty="0"/>
-              <a:t>and should have </a:t>
+              <a:t>and may have </a:t>
             </a:r>
           </a:p>
           <a:p>
@@ -7132,6 +7140,80 @@
           </a:p>
         </p:txBody>
       </p:sp>
+      <p:sp>
+        <p:nvSpPr>
+          <p:cNvPr id="8" name="TextBox 7">
+            <a:extLst>
+              <a:ext uri="{FF2B5EF4-FFF2-40B4-BE49-F238E27FC236}">
+                <a16:creationId xmlns:a16="http://schemas.microsoft.com/office/drawing/2014/main" id="{01B7C9DD-679A-4ADE-A813-DA9A009101D4}"/>
+              </a:ext>
+            </a:extLst>
+          </p:cNvPr>
+          <p:cNvSpPr txBox="1"/>
+          <p:nvPr/>
+        </p:nvSpPr>
+        <p:spPr>
+          <a:xfrm>
+            <a:off x="2417649" y="4148524"/>
+            <a:ext cx="5489261" cy="461665"/>
+          </a:xfrm>
+          <a:prstGeom prst="rect">
+            <a:avLst/>
+          </a:prstGeom>
+          <a:noFill/>
+        </p:spPr>
+        <p:txBody>
+          <a:bodyPr wrap="square" rtlCol="0">
+            <a:spAutoFit/>
+          </a:bodyPr>
+          <a:lstStyle/>
+          <a:p>
+            <a:r>
+              <a:rPr lang="en-GB" sz="2400" dirty="0"/>
+              <a:t>Email when the job is done</a:t>
+            </a:r>
+          </a:p>
+        </p:txBody>
+      </p:sp>
+      <p:cxnSp>
+        <p:nvCxnSpPr>
+          <p:cNvPr id="9" name="Straight Arrow Connector 8">
+            <a:extLst>
+              <a:ext uri="{FF2B5EF4-FFF2-40B4-BE49-F238E27FC236}">
+                <a16:creationId xmlns:a16="http://schemas.microsoft.com/office/drawing/2014/main" id="{6B67CBE9-AE0A-45D8-BA9A-C82F21B4825B}"/>
+              </a:ext>
+            </a:extLst>
+          </p:cNvPr>
+          <p:cNvCxnSpPr/>
+          <p:nvPr/>
+        </p:nvCxnSpPr>
+        <p:spPr>
+          <a:xfrm>
+            <a:off x="5748337" y="4498221"/>
+            <a:ext cx="347663" cy="481958"/>
+          </a:xfrm>
+          <a:prstGeom prst="straightConnector1">
+            <a:avLst/>
+          </a:prstGeom>
+          <a:ln>
+            <a:tailEnd type="triangle"/>
+          </a:ln>
+        </p:spPr>
+        <p:style>
+          <a:lnRef idx="1">
+            <a:schemeClr val="accent1"/>
+          </a:lnRef>
+          <a:fillRef idx="0">
+            <a:schemeClr val="accent1"/>
+          </a:fillRef>
+          <a:effectRef idx="0">
+            <a:schemeClr val="accent1"/>
+          </a:effectRef>
+          <a:fontRef idx="minor">
+            <a:schemeClr val="tx1"/>
+          </a:fontRef>
+        </p:style>
+      </p:cxnSp>
     </p:spTree>
     <p:extLst>
       <p:ext uri="{BB962C8B-B14F-4D97-AF65-F5344CB8AC3E}">

--- a/cluster_course/powerpoint/4_Shell_scripting.pptx
+++ b/cluster_course/powerpoint/4_Shell_scripting.pptx
@@ -21,6 +21,7 @@
     <p:sldId id="325" r:id="rId15"/>
     <p:sldId id="330" r:id="rId16"/>
     <p:sldId id="331" r:id="rId17"/>
+    <p:sldId id="332" r:id="rId18"/>
   </p:sldIdLst>
   <p:sldSz cx="12192000" cy="6858000"/>
   <p:notesSz cx="6858000" cy="9144000"/>
@@ -276,7 +277,7 @@
           <a:p>
             <a:fld id="{2244AFD0-6711-41F1-97ED-53C99FBC28F0}" type="datetimeFigureOut">
               <a:rPr lang="en-GB" smtClean="0"/>
-              <a:t>28/10/2019</a:t>
+              <a:t>30/10/2019</a:t>
             </a:fld>
             <a:endParaRPr lang="en-GB"/>
           </a:p>
@@ -476,7 +477,7 @@
           <a:p>
             <a:fld id="{2244AFD0-6711-41F1-97ED-53C99FBC28F0}" type="datetimeFigureOut">
               <a:rPr lang="en-GB" smtClean="0"/>
-              <a:t>28/10/2019</a:t>
+              <a:t>30/10/2019</a:t>
             </a:fld>
             <a:endParaRPr lang="en-GB"/>
           </a:p>
@@ -686,7 +687,7 @@
           <a:p>
             <a:fld id="{2244AFD0-6711-41F1-97ED-53C99FBC28F0}" type="datetimeFigureOut">
               <a:rPr lang="en-GB" smtClean="0"/>
-              <a:t>28/10/2019</a:t>
+              <a:t>30/10/2019</a:t>
             </a:fld>
             <a:endParaRPr lang="en-GB"/>
           </a:p>
@@ -886,7 +887,7 @@
           <a:p>
             <a:fld id="{2244AFD0-6711-41F1-97ED-53C99FBC28F0}" type="datetimeFigureOut">
               <a:rPr lang="en-GB" smtClean="0"/>
-              <a:t>28/10/2019</a:t>
+              <a:t>30/10/2019</a:t>
             </a:fld>
             <a:endParaRPr lang="en-GB"/>
           </a:p>
@@ -1162,7 +1163,7 @@
           <a:p>
             <a:fld id="{2244AFD0-6711-41F1-97ED-53C99FBC28F0}" type="datetimeFigureOut">
               <a:rPr lang="en-GB" smtClean="0"/>
-              <a:t>28/10/2019</a:t>
+              <a:t>30/10/2019</a:t>
             </a:fld>
             <a:endParaRPr lang="en-GB"/>
           </a:p>
@@ -1430,7 +1431,7 @@
           <a:p>
             <a:fld id="{2244AFD0-6711-41F1-97ED-53C99FBC28F0}" type="datetimeFigureOut">
               <a:rPr lang="en-GB" smtClean="0"/>
-              <a:t>28/10/2019</a:t>
+              <a:t>30/10/2019</a:t>
             </a:fld>
             <a:endParaRPr lang="en-GB"/>
           </a:p>
@@ -1845,7 +1846,7 @@
           <a:p>
             <a:fld id="{2244AFD0-6711-41F1-97ED-53C99FBC28F0}" type="datetimeFigureOut">
               <a:rPr lang="en-GB" smtClean="0"/>
-              <a:t>28/10/2019</a:t>
+              <a:t>30/10/2019</a:t>
             </a:fld>
             <a:endParaRPr lang="en-GB"/>
           </a:p>
@@ -1987,7 +1988,7 @@
           <a:p>
             <a:fld id="{2244AFD0-6711-41F1-97ED-53C99FBC28F0}" type="datetimeFigureOut">
               <a:rPr lang="en-GB" smtClean="0"/>
-              <a:t>28/10/2019</a:t>
+              <a:t>30/10/2019</a:t>
             </a:fld>
             <a:endParaRPr lang="en-GB"/>
           </a:p>
@@ -2100,7 +2101,7 @@
           <a:p>
             <a:fld id="{2244AFD0-6711-41F1-97ED-53C99FBC28F0}" type="datetimeFigureOut">
               <a:rPr lang="en-GB" smtClean="0"/>
-              <a:t>28/10/2019</a:t>
+              <a:t>30/10/2019</a:t>
             </a:fld>
             <a:endParaRPr lang="en-GB"/>
           </a:p>
@@ -2413,7 +2414,7 @@
           <a:p>
             <a:fld id="{2244AFD0-6711-41F1-97ED-53C99FBC28F0}" type="datetimeFigureOut">
               <a:rPr lang="en-GB" smtClean="0"/>
-              <a:t>28/10/2019</a:t>
+              <a:t>30/10/2019</a:t>
             </a:fld>
             <a:endParaRPr lang="en-GB"/>
           </a:p>
@@ -2702,7 +2703,7 @@
           <a:p>
             <a:fld id="{2244AFD0-6711-41F1-97ED-53C99FBC28F0}" type="datetimeFigureOut">
               <a:rPr lang="en-GB" smtClean="0"/>
-              <a:t>28/10/2019</a:t>
+              <a:t>30/10/2019</a:t>
             </a:fld>
             <a:endParaRPr lang="en-GB"/>
           </a:p>
@@ -2945,7 +2946,7 @@
           <a:p>
             <a:fld id="{2244AFD0-6711-41F1-97ED-53C99FBC28F0}" type="datetimeFigureOut">
               <a:rPr lang="en-GB" smtClean="0"/>
-              <a:t>28/10/2019</a:t>
+              <a:t>30/10/2019</a:t>
             </a:fld>
             <a:endParaRPr lang="en-GB"/>
           </a:p>
@@ -3910,7 +3911,7 @@
                   <a:srgbClr val="0070C0"/>
                 </a:solidFill>
               </a:rPr>
-              <a:t>        cd </a:t>
+              <a:t>        cd /storage/home/users/${USER}/</a:t>
             </a:r>
             <a:r>
               <a:rPr lang="en-GB" dirty="0" err="1">
@@ -3918,6 +3919,22 @@
                   <a:srgbClr val="0070C0"/>
                 </a:solidFill>
               </a:rPr>
+              <a:t>ngs</a:t>
+            </a:r>
+            <a:r>
+              <a:rPr lang="en-GB" dirty="0">
+                <a:solidFill>
+                  <a:srgbClr val="0070C0"/>
+                </a:solidFill>
+              </a:rPr>
+              <a:t>/</a:t>
+            </a:r>
+            <a:r>
+              <a:rPr lang="en-GB" dirty="0" err="1">
+                <a:solidFill>
+                  <a:srgbClr val="0070C0"/>
+                </a:solidFill>
+              </a:rPr>
               <a:t>shell_scripts</a:t>
             </a:r>
             <a:r>
@@ -3927,6 +3944,19 @@
                 </a:solidFill>
               </a:rPr>
               <a:t>     </a:t>
+            </a:r>
+          </a:p>
+          <a:p>
+            <a:pPr marL="0" indent="0">
+              <a:buNone/>
+            </a:pPr>
+            <a:r>
+              <a:rPr lang="en-GB" dirty="0">
+                <a:solidFill>
+                  <a:srgbClr val="0070C0"/>
+                </a:solidFill>
+              </a:rPr>
+              <a:t>	</a:t>
             </a:r>
             <a:r>
               <a:rPr lang="en-GB" dirty="0">
@@ -4558,8 +4588,14 @@
           </a:p>
           <a:p>
             <a:r>
+              <a:rPr lang="en-GB" sz="1600" dirty="0">
+                <a:hlinkClick r:id="rId2"/>
+              </a:rPr>
+              <a:t>https://github.com/peterthorpe5/public_scripts/blob/master/metapy_tools/shell_scripts/Interogate_controls_all_folders.sh</a:t>
+            </a:r>
+            <a:r>
               <a:rPr lang="en-GB" sz="1600" dirty="0"/>
-              <a:t>https://github.com/peterthorpe5/public_scripts/blob/master/metapy_tools/shell_scripts/Interogate_controls_all_folders.sh</a:t>
+              <a:t> </a:t>
             </a:r>
           </a:p>
         </p:txBody>
@@ -4721,10 +4757,53 @@
             </a:r>
           </a:p>
           <a:p>
+            <a:pPr marL="0" indent="0">
+              <a:buNone/>
+            </a:pPr>
+            <a:endParaRPr lang="en-GB" dirty="0">
+              <a:solidFill>
+                <a:srgbClr val="0070C0"/>
+              </a:solidFill>
+            </a:endParaRPr>
+          </a:p>
+          <a:p>
+            <a:pPr marL="0" indent="0">
+              <a:buNone/>
+            </a:pPr>
+            <a:r>
+              <a:rPr lang="en-GB" sz="1200" dirty="0">
+                <a:hlinkClick r:id="rId2"/>
+              </a:rPr>
+              <a:t>https://www.cyberciti.biz/faq/linux-unix-bash-for-loop-one-line-command/</a:t>
+            </a:r>
+            <a:endParaRPr lang="en-GB" sz="1200" dirty="0">
+              <a:solidFill>
+                <a:srgbClr val="0070C0"/>
+              </a:solidFill>
+            </a:endParaRPr>
+          </a:p>
+          <a:p>
             <a:endParaRPr lang="en-GB" dirty="0"/>
           </a:p>
           <a:p>
-            <a:endParaRPr lang="en-GB" dirty="0"/>
+            <a:r>
+              <a:rPr lang="en-GB" dirty="0"/>
+              <a:t>In one line:</a:t>
+            </a:r>
+          </a:p>
+          <a:p>
+            <a:r>
+              <a:rPr lang="en-GB" dirty="0"/>
+              <a:t>for f in ${filenames}; do muscle -in ${f} -o {f}.</a:t>
+            </a:r>
+            <a:r>
+              <a:rPr lang="en-GB" dirty="0" err="1"/>
+              <a:t>aln</a:t>
+            </a:r>
+            <a:r>
+              <a:rPr lang="en-GB" dirty="0"/>
+              <a:t>; done</a:t>
+            </a:r>
           </a:p>
           <a:p>
             <a:endParaRPr lang="en-GB" dirty="0"/>
@@ -4764,7 +4843,7 @@
           <p:nvPr/>
         </p:nvPicPr>
         <p:blipFill rotWithShape="1">
-          <a:blip r:embed="rId2"/>
+          <a:blip r:embed="rId3"/>
           <a:srcRect l="50987" t="19845" r="39276" b="65750"/>
           <a:stretch/>
         </p:blipFill>
@@ -4778,6 +4857,47 @@
           </a:prstGeom>
         </p:spPr>
       </p:pic>
+      <p:cxnSp>
+        <p:nvCxnSpPr>
+          <p:cNvPr id="7" name="Straight Arrow Connector 6">
+            <a:extLst>
+              <a:ext uri="{FF2B5EF4-FFF2-40B4-BE49-F238E27FC236}">
+                <a16:creationId xmlns:a16="http://schemas.microsoft.com/office/drawing/2014/main" id="{FB447508-A73B-4E53-82C3-7009DF9D7150}"/>
+              </a:ext>
+            </a:extLst>
+          </p:cNvPr>
+          <p:cNvCxnSpPr>
+            <a:cxnSpLocks/>
+          </p:cNvCxnSpPr>
+          <p:nvPr/>
+        </p:nvCxnSpPr>
+        <p:spPr>
+          <a:xfrm flipV="1">
+            <a:off x="2595418" y="4858327"/>
+            <a:ext cx="3075132" cy="888811"/>
+          </a:xfrm>
+          <a:prstGeom prst="straightConnector1">
+            <a:avLst/>
+          </a:prstGeom>
+          <a:ln>
+            <a:tailEnd type="triangle"/>
+          </a:ln>
+        </p:spPr>
+        <p:style>
+          <a:lnRef idx="1">
+            <a:schemeClr val="accent1"/>
+          </a:lnRef>
+          <a:fillRef idx="0">
+            <a:schemeClr val="accent1"/>
+          </a:fillRef>
+          <a:effectRef idx="0">
+            <a:schemeClr val="accent1"/>
+          </a:effectRef>
+          <a:fontRef idx="minor">
+            <a:schemeClr val="tx1"/>
+          </a:fontRef>
+        </p:style>
+      </p:cxnSp>
     </p:spTree>
     <p:extLst>
       <p:ext uri="{BB962C8B-B14F-4D97-AF65-F5344CB8AC3E}">
@@ -5581,6 +5701,145 @@
 </p:sld>
 </file>
 
+<file path=ppt/slides/slide17.xml><?xml version="1.0" encoding="utf-8"?>
+<p:sld xmlns:a="http://schemas.openxmlformats.org/drawingml/2006/main" xmlns:r="http://schemas.openxmlformats.org/officeDocument/2006/relationships" xmlns:p="http://schemas.openxmlformats.org/presentationml/2006/main">
+  <p:cSld>
+    <p:spTree>
+      <p:nvGrpSpPr>
+        <p:cNvPr id="1" name=""/>
+        <p:cNvGrpSpPr/>
+        <p:nvPr/>
+      </p:nvGrpSpPr>
+      <p:grpSpPr>
+        <a:xfrm>
+          <a:off x="0" y="0"/>
+          <a:ext cx="0" cy="0"/>
+          <a:chOff x="0" y="0"/>
+          <a:chExt cx="0" cy="0"/>
+        </a:xfrm>
+      </p:grpSpPr>
+      <p:sp>
+        <p:nvSpPr>
+          <p:cNvPr id="2" name="Title 1">
+            <a:extLst>
+              <a:ext uri="{FF2B5EF4-FFF2-40B4-BE49-F238E27FC236}">
+                <a16:creationId xmlns:a16="http://schemas.microsoft.com/office/drawing/2014/main" id="{7E03E00C-44CB-43B4-AB72-A0B8C7DC8FC6}"/>
+              </a:ext>
+            </a:extLst>
+          </p:cNvPr>
+          <p:cNvSpPr>
+            <a:spLocks noGrp="1"/>
+          </p:cNvSpPr>
+          <p:nvPr>
+            <p:ph type="title"/>
+          </p:nvPr>
+        </p:nvSpPr>
+        <p:spPr>
+          <a:xfrm>
+            <a:off x="-495300" y="-78007"/>
+            <a:ext cx="12192000" cy="1325563"/>
+          </a:xfrm>
+        </p:spPr>
+        <p:txBody>
+          <a:bodyPr/>
+          <a:lstStyle/>
+          <a:p>
+            <a:pPr algn="ctr"/>
+            <a:r>
+              <a:rPr lang="en-GB" dirty="0">
+                <a:solidFill>
+                  <a:srgbClr val="7030A0"/>
+                </a:solidFill>
+              </a:rPr>
+              <a:t>4) Shell scripting: command line arguments</a:t>
+            </a:r>
+          </a:p>
+        </p:txBody>
+      </p:sp>
+      <p:sp>
+        <p:nvSpPr>
+          <p:cNvPr id="3" name="Content Placeholder 2">
+            <a:extLst>
+              <a:ext uri="{FF2B5EF4-FFF2-40B4-BE49-F238E27FC236}">
+                <a16:creationId xmlns:a16="http://schemas.microsoft.com/office/drawing/2014/main" id="{E1355657-ACC7-4163-88F9-88811068852A}"/>
+              </a:ext>
+            </a:extLst>
+          </p:cNvPr>
+          <p:cNvSpPr>
+            <a:spLocks noGrp="1"/>
+          </p:cNvSpPr>
+          <p:nvPr>
+            <p:ph idx="1"/>
+          </p:nvPr>
+        </p:nvSpPr>
+        <p:spPr>
+          <a:xfrm>
+            <a:off x="82550" y="926934"/>
+            <a:ext cx="9495559" cy="5519737"/>
+          </a:xfrm>
+        </p:spPr>
+        <p:txBody>
+          <a:bodyPr>
+            <a:normAutofit/>
+          </a:bodyPr>
+          <a:lstStyle/>
+          <a:p>
+            <a:pPr marL="0" indent="0">
+              <a:buNone/>
+            </a:pPr>
+            <a:endParaRPr lang="en-GB" sz="2000" dirty="0"/>
+          </a:p>
+          <a:p>
+            <a:endParaRPr lang="en-GB" dirty="0"/>
+          </a:p>
+          <a:p>
+            <a:endParaRPr lang="en-GB" dirty="0"/>
+          </a:p>
+          <a:p>
+            <a:endParaRPr lang="en-GB" dirty="0"/>
+          </a:p>
+          <a:p>
+            <a:r>
+              <a:rPr lang="en-GB" dirty="0">
+                <a:hlinkClick r:id="rId2"/>
+              </a:rPr>
+              <a:t>https://www.linuxtechi.com/command-line-arguments-in-linux-shell-scripting/</a:t>
+            </a:r>
+            <a:endParaRPr lang="en-GB" dirty="0"/>
+          </a:p>
+          <a:p>
+            <a:endParaRPr lang="en-GB" dirty="0"/>
+          </a:p>
+          <a:p>
+            <a:endParaRPr lang="en-GB" dirty="0"/>
+          </a:p>
+          <a:p>
+            <a:endParaRPr lang="en-GB" dirty="0"/>
+          </a:p>
+          <a:p>
+            <a:endParaRPr lang="en-GB" dirty="0"/>
+          </a:p>
+          <a:p>
+            <a:endParaRPr lang="en-GB" dirty="0"/>
+          </a:p>
+          <a:p>
+            <a:endParaRPr lang="en-GB" dirty="0"/>
+          </a:p>
+        </p:txBody>
+      </p:sp>
+    </p:spTree>
+    <p:extLst>
+      <p:ext uri="{BB962C8B-B14F-4D97-AF65-F5344CB8AC3E}">
+        <p14:creationId xmlns:p14="http://schemas.microsoft.com/office/powerpoint/2010/main" val="8851583"/>
+      </p:ext>
+    </p:extLst>
+  </p:cSld>
+  <p:clrMapOvr>
+    <a:masterClrMapping/>
+  </p:clrMapOvr>
+</p:sld>
+</file>
+
 <file path=ppt/slides/slide2.xml><?xml version="1.0" encoding="utf-8"?>
 <p:sld xmlns:a="http://schemas.openxmlformats.org/drawingml/2006/main" xmlns:r="http://schemas.openxmlformats.org/officeDocument/2006/relationships" xmlns:p="http://schemas.openxmlformats.org/presentationml/2006/main">
   <p:cSld>
@@ -5869,13 +6128,32 @@
                   <a:srgbClr val="0070C0"/>
                 </a:solidFill>
               </a:rPr>
-              <a:t>        cd </a:t>
+              <a:t>        cd /storage/home/users/${USER}/</a:t>
             </a:r>
             <a:r>
               <a:rPr lang="en-GB" dirty="0" err="1">
                 <a:solidFill>
                   <a:srgbClr val="0070C0"/>
                 </a:solidFill>
+              </a:rPr>
+              <a:t>ngs</a:t>
+            </a:r>
+            <a:r>
+              <a:rPr lang="en-GB" dirty="0">
+                <a:solidFill>
+                  <a:srgbClr val="0070C0"/>
+                </a:solidFill>
+              </a:rPr>
+              <a:t>/</a:t>
+            </a:r>
+            <a:r>
+              <a:rPr lang="en-GB" dirty="0" err="1">
+                <a:solidFill>
+                  <a:srgbClr val="0070C0"/>
+                </a:solidFill>
+                <a:highlight>
+                  <a:srgbClr val="FFFF00"/>
+                </a:highlight>
               </a:rPr>
               <a:t>shell_scripts</a:t>
             </a:r>
@@ -5883,7 +6161,23 @@
               <a:solidFill>
                 <a:srgbClr val="0070C0"/>
               </a:solidFill>
+              <a:highlight>
+                <a:srgbClr val="FFFF00"/>
+              </a:highlight>
             </a:endParaRPr>
+          </a:p>
+          <a:p>
+            <a:pPr marL="0" indent="0">
+              <a:buNone/>
+            </a:pPr>
+            <a:r>
+              <a:rPr lang="en-GB" dirty="0">
+                <a:solidFill>
+                  <a:srgbClr val="0070C0"/>
+                </a:solidFill>
+              </a:rPr>
+              <a:t>        ls</a:t>
+            </a:r>
           </a:p>
           <a:p>
             <a:pPr marL="0" indent="0">
@@ -5910,13 +6204,18 @@
               <a:t> Example.sh   </a:t>
             </a:r>
             <a:r>
-              <a:rPr lang="en-GB" dirty="0">
+              <a:rPr lang="en-GB" sz="2000" dirty="0">
                 <a:solidFill>
                   <a:srgbClr val="FF0000"/>
                 </a:solidFill>
               </a:rPr>
               <a:t>(tip: tab name completion…)</a:t>
             </a:r>
+            <a:endParaRPr lang="en-GB" dirty="0">
+              <a:solidFill>
+                <a:srgbClr val="FF0000"/>
+              </a:solidFill>
+            </a:endParaRPr>
           </a:p>
           <a:p>
             <a:endParaRPr lang="en-GB" dirty="0">
@@ -5945,7 +6244,15 @@
             </a:pPr>
             <a:r>
               <a:rPr lang="en-GB" dirty="0"/>
-              <a:t>You don’t actually need them,</a:t>
+              <a:t>You </a:t>
+            </a:r>
+            <a:r>
+              <a:rPr lang="en-GB" b="1" dirty="0"/>
+              <a:t>don’t</a:t>
+            </a:r>
+            <a:r>
+              <a:rPr lang="en-GB" dirty="0"/>
+              <a:t> actually need them,</a:t>
             </a:r>
           </a:p>
           <a:p>
@@ -5980,9 +6287,9 @@
           <p:nvPr/>
         </p:nvCxnSpPr>
         <p:spPr>
-          <a:xfrm>
-            <a:off x="4387516" y="3288632"/>
-            <a:ext cx="1022748" cy="130550"/>
+          <a:xfrm flipV="1">
+            <a:off x="4470643" y="3574473"/>
+            <a:ext cx="1865502" cy="81537"/>
           </a:xfrm>
           <a:prstGeom prst="straightConnector1">
             <a:avLst/>
@@ -6022,7 +6329,7 @@
         </p:nvCxnSpPr>
         <p:spPr>
           <a:xfrm>
-            <a:off x="5502747" y="3059948"/>
+            <a:off x="6566660" y="2950839"/>
             <a:ext cx="0" cy="1410342"/>
           </a:xfrm>
           <a:prstGeom prst="line">
@@ -6121,8 +6428,8 @@
         </p:blipFill>
         <p:spPr>
           <a:xfrm>
-            <a:off x="5563031" y="2662177"/>
-            <a:ext cx="7437992" cy="4195823"/>
+            <a:off x="6614968" y="2400262"/>
+            <a:ext cx="7339131" cy="4140055"/>
           </a:xfrm>
           <a:prstGeom prst="rect">
             <a:avLst/>
@@ -6267,10 +6574,10 @@
             </a:r>
           </a:p>
           <a:p>
-            <a:r>
-              <a:rPr lang="en-GB" dirty="0"/>
-              <a:t>You must have</a:t>
-            </a:r>
+            <a:pPr marL="0" indent="0">
+              <a:buNone/>
+            </a:pPr>
+            <a:endParaRPr lang="en-GB" dirty="0"/>
           </a:p>
           <a:p>
             <a:endParaRPr lang="en-GB" dirty="0"/>
